--- a/PEA307 ADVANCED_ANALYTICAL_SKILLS-I/Lecture11 Alphabet _ number series and coding decoding.pptx
+++ b/PEA307 ADVANCED_ANALYTICAL_SKILLS-I/Lecture11 Alphabet _ number series and coding decoding.pptx
@@ -172,6 +172,30 @@
 
 <file path=ppt/changesInfos/changesInfo1.xml><?xml version="1.0" encoding="utf-8"?>
 <pc:chgInfo xmlns:a="http://schemas.openxmlformats.org/drawingml/2006/main" xmlns:r="http://schemas.openxmlformats.org/officeDocument/2006/relationships" xmlns:ac="http://schemas.microsoft.com/office/drawing/2013/main/command" xmlns:pc="http://schemas.microsoft.com/office/powerpoint/2013/main/command">
+  <pc:docChgLst>
+    <pc:chgData name="Ayan Ruzdan" userId="281b3fb1-178d-4595-a67e-42f3d5782a4e" providerId="ADAL" clId="{F2D19BBE-25BE-46AC-B590-9D22782BC5C1}"/>
+    <pc:docChg chg="modSld">
+      <pc:chgData name="Ayan Ruzdan" userId="281b3fb1-178d-4595-a67e-42f3d5782a4e" providerId="ADAL" clId="{F2D19BBE-25BE-46AC-B590-9D22782BC5C1}" dt="2023-04-01T17:52:25.831" v="1" actId="1035"/>
+      <pc:docMkLst>
+        <pc:docMk/>
+      </pc:docMkLst>
+      <pc:sldChg chg="modSp mod">
+        <pc:chgData name="Ayan Ruzdan" userId="281b3fb1-178d-4595-a67e-42f3d5782a4e" providerId="ADAL" clId="{F2D19BBE-25BE-46AC-B590-9D22782BC5C1}" dt="2023-04-01T17:52:25.831" v="1" actId="1035"/>
+        <pc:sldMkLst>
+          <pc:docMk/>
+          <pc:sldMk cId="3230865197" sldId="263"/>
+        </pc:sldMkLst>
+        <pc:spChg chg="mod">
+          <ac:chgData name="Ayan Ruzdan" userId="281b3fb1-178d-4595-a67e-42f3d5782a4e" providerId="ADAL" clId="{F2D19BBE-25BE-46AC-B590-9D22782BC5C1}" dt="2023-04-01T17:52:25.831" v="1" actId="1035"/>
+          <ac:spMkLst>
+            <pc:docMk/>
+            <pc:sldMk cId="3230865197" sldId="263"/>
+            <ac:spMk id="4" creationId="{C046276F-894B-496E-A913-7EC2BE0B9B36}"/>
+          </ac:spMkLst>
+        </pc:spChg>
+      </pc:sldChg>
+    </pc:docChg>
+  </pc:docChgLst>
   <pc:docChgLst>
     <pc:chgData name="pradeep panwar" userId="d519ddcd2cf65a96" providerId="LiveId" clId="{0A740F5B-BD9F-479A-9541-A5FA85866C42}"/>
     <pc:docChg chg="undo redo custSel addSld delSld modSld sldOrd">
@@ -3110,7 +3134,7 @@
           <a:p>
             <a:fld id="{39F6EF16-0FD5-45A3-A60E-150CBA2F8910}" type="datetimeFigureOut">
               <a:rPr lang="en-IN" smtClean="0"/>
-              <a:t>21-02-2023</a:t>
+              <a:t>01-04-2023</a:t>
             </a:fld>
             <a:endParaRPr lang="en-IN"/>
           </a:p>
@@ -3527,7 +3551,7 @@
           <a:p>
             <a:fld id="{DDA51639-B2D6-4652-B8C3-1B4C224A7BAF}" type="datetimeFigureOut">
               <a:rPr lang="en-US" smtClean="0"/>
-              <a:t>2/21/2023</a:t>
+              <a:t>4/1/2023</a:t>
             </a:fld>
             <a:endParaRPr lang="en-US" dirty="0"/>
           </a:p>
@@ -3728,7 +3752,7 @@
           <a:p>
             <a:fld id="{D11A6AA8-A04B-4104-9AE2-BD48D340E27F}" type="datetimeFigureOut">
               <a:rPr lang="en-US" smtClean="0"/>
-              <a:t>2/21/2023</a:t>
+              <a:t>4/1/2023</a:t>
             </a:fld>
             <a:endParaRPr lang="en-US" dirty="0"/>
           </a:p>
@@ -3938,7 +3962,7 @@
           <a:p>
             <a:fld id="{B4E0BF79-FAC6-4A96-8DE1-F7B82E2E1652}" type="datetimeFigureOut">
               <a:rPr lang="en-US" smtClean="0"/>
-              <a:t>2/21/2023</a:t>
+              <a:t>4/1/2023</a:t>
             </a:fld>
             <a:endParaRPr lang="en-US" dirty="0"/>
           </a:p>
@@ -4160,7 +4184,7 @@
           <a:p>
             <a:fld id="{DDA51639-B2D6-4652-B8C3-1B4C224A7BAF}" type="datetimeFigureOut">
               <a:rPr lang="en-US" smtClean="0"/>
-              <a:t>2/21/2023</a:t>
+              <a:t>4/1/2023</a:t>
             </a:fld>
             <a:endParaRPr lang="en-US" dirty="0"/>
           </a:p>
@@ -4361,7 +4385,7 @@
           <a:p>
             <a:fld id="{82FF5DD9-2C52-442D-92E2-8072C0C3D7CD}" type="datetimeFigureOut">
               <a:rPr lang="en-US" smtClean="0"/>
-              <a:t>2/21/2023</a:t>
+              <a:t>4/1/2023</a:t>
             </a:fld>
             <a:endParaRPr lang="en-US" dirty="0"/>
           </a:p>
@@ -4638,7 +4662,7 @@
           <a:p>
             <a:fld id="{C44961B7-6B89-48AB-966F-622E2788EECC}" type="datetimeFigureOut">
               <a:rPr lang="en-US" smtClean="0"/>
-              <a:t>2/21/2023</a:t>
+              <a:t>4/1/2023</a:t>
             </a:fld>
             <a:endParaRPr lang="en-US" dirty="0"/>
           </a:p>
@@ -4906,7 +4930,7 @@
           <a:p>
             <a:fld id="{DBD3D6FB-79CC-4683-A046-BBE785BA1BED}" type="datetimeFigureOut">
               <a:rPr lang="en-US" smtClean="0"/>
-              <a:t>2/21/2023</a:t>
+              <a:t>4/1/2023</a:t>
             </a:fld>
             <a:endParaRPr lang="en-US" dirty="0"/>
           </a:p>
@@ -5321,7 +5345,7 @@
           <a:p>
             <a:fld id="{9512B3E8-48F1-4B23-8498-D8A04A81EC9C}" type="datetimeFigureOut">
               <a:rPr lang="en-US" smtClean="0"/>
-              <a:t>2/21/2023</a:t>
+              <a:t>4/1/2023</a:t>
             </a:fld>
             <a:endParaRPr lang="en-US" dirty="0"/>
           </a:p>
@@ -5463,7 +5487,7 @@
           <a:p>
             <a:fld id="{10B90D90-AA62-404D-A741-635B4370F9CB}" type="datetimeFigureOut">
               <a:rPr lang="en-US" smtClean="0"/>
-              <a:t>2/21/2023</a:t>
+              <a:t>4/1/2023</a:t>
             </a:fld>
             <a:endParaRPr lang="en-US" dirty="0"/>
           </a:p>
@@ -5576,7 +5600,7 @@
           <a:p>
             <a:fld id="{A57002E4-6836-46D1-9DBB-3C27C0DD3A89}" type="datetimeFigureOut">
               <a:rPr lang="en-US" smtClean="0"/>
-              <a:t>2/21/2023</a:t>
+              <a:t>4/1/2023</a:t>
             </a:fld>
             <a:endParaRPr lang="en-US" dirty="0"/>
           </a:p>
@@ -5889,7 +5913,7 @@
           <a:p>
             <a:fld id="{1CF131DD-A141-4471-BCF9-C6073EDD7E20}" type="datetimeFigureOut">
               <a:rPr lang="en-US" smtClean="0"/>
-              <a:t>2/21/2023</a:t>
+              <a:t>4/1/2023</a:t>
             </a:fld>
             <a:endParaRPr lang="en-US" dirty="0"/>
           </a:p>
@@ -6090,7 +6114,7 @@
           <a:p>
             <a:fld id="{82FF5DD9-2C52-442D-92E2-8072C0C3D7CD}" type="datetimeFigureOut">
               <a:rPr lang="en-US" smtClean="0"/>
-              <a:t>2/21/2023</a:t>
+              <a:t>4/1/2023</a:t>
             </a:fld>
             <a:endParaRPr lang="en-US" dirty="0"/>
           </a:p>
@@ -6380,7 +6404,7 @@
           <a:p>
             <a:fld id="{AB334A90-EB03-42F3-8859-2C2B2724C058}" type="datetimeFigureOut">
               <a:rPr lang="en-US" smtClean="0"/>
-              <a:t>2/21/2023</a:t>
+              <a:t>4/1/2023</a:t>
             </a:fld>
             <a:endParaRPr lang="en-US" dirty="0"/>
           </a:p>
@@ -6581,7 +6605,7 @@
           <a:p>
             <a:fld id="{D11A6AA8-A04B-4104-9AE2-BD48D340E27F}" type="datetimeFigureOut">
               <a:rPr lang="en-US" smtClean="0"/>
-              <a:t>2/21/2023</a:t>
+              <a:t>4/1/2023</a:t>
             </a:fld>
             <a:endParaRPr lang="en-US" dirty="0"/>
           </a:p>
@@ -6791,7 +6815,7 @@
           <a:p>
             <a:fld id="{B4E0BF79-FAC6-4A96-8DE1-F7B82E2E1652}" type="datetimeFigureOut">
               <a:rPr lang="en-US" smtClean="0"/>
-              <a:t>2/21/2023</a:t>
+              <a:t>4/1/2023</a:t>
             </a:fld>
             <a:endParaRPr lang="en-US" dirty="0"/>
           </a:p>
@@ -7067,7 +7091,7 @@
           <a:p>
             <a:fld id="{C44961B7-6B89-48AB-966F-622E2788EECC}" type="datetimeFigureOut">
               <a:rPr lang="en-US" smtClean="0"/>
-              <a:t>2/21/2023</a:t>
+              <a:t>4/1/2023</a:t>
             </a:fld>
             <a:endParaRPr lang="en-US" dirty="0"/>
           </a:p>
@@ -7335,7 +7359,7 @@
           <a:p>
             <a:fld id="{DBD3D6FB-79CC-4683-A046-BBE785BA1BED}" type="datetimeFigureOut">
               <a:rPr lang="en-US" smtClean="0"/>
-              <a:t>2/21/2023</a:t>
+              <a:t>4/1/2023</a:t>
             </a:fld>
             <a:endParaRPr lang="en-US" dirty="0"/>
           </a:p>
@@ -7750,7 +7774,7 @@
           <a:p>
             <a:fld id="{9512B3E8-48F1-4B23-8498-D8A04A81EC9C}" type="datetimeFigureOut">
               <a:rPr lang="en-US" smtClean="0"/>
-              <a:t>2/21/2023</a:t>
+              <a:t>4/1/2023</a:t>
             </a:fld>
             <a:endParaRPr lang="en-US" dirty="0"/>
           </a:p>
@@ -7892,7 +7916,7 @@
           <a:p>
             <a:fld id="{10B90D90-AA62-404D-A741-635B4370F9CB}" type="datetimeFigureOut">
               <a:rPr lang="en-US" smtClean="0"/>
-              <a:t>2/21/2023</a:t>
+              <a:t>4/1/2023</a:t>
             </a:fld>
             <a:endParaRPr lang="en-US" dirty="0"/>
           </a:p>
@@ -8005,7 +8029,7 @@
           <a:p>
             <a:fld id="{A57002E4-6836-46D1-9DBB-3C27C0DD3A89}" type="datetimeFigureOut">
               <a:rPr lang="en-US" smtClean="0"/>
-              <a:t>2/21/2023</a:t>
+              <a:t>4/1/2023</a:t>
             </a:fld>
             <a:endParaRPr lang="en-US" dirty="0"/>
           </a:p>
@@ -8318,7 +8342,7 @@
           <a:p>
             <a:fld id="{1CF131DD-A141-4471-BCF9-C6073EDD7E20}" type="datetimeFigureOut">
               <a:rPr lang="en-US" smtClean="0"/>
-              <a:t>2/21/2023</a:t>
+              <a:t>4/1/2023</a:t>
             </a:fld>
             <a:endParaRPr lang="en-US" dirty="0"/>
           </a:p>
@@ -8608,7 +8632,7 @@
           <a:p>
             <a:fld id="{AB334A90-EB03-42F3-8859-2C2B2724C058}" type="datetimeFigureOut">
               <a:rPr lang="en-US" smtClean="0"/>
-              <a:t>2/21/2023</a:t>
+              <a:t>4/1/2023</a:t>
             </a:fld>
             <a:endParaRPr lang="en-US" dirty="0"/>
           </a:p>
@@ -8859,7 +8883,7 @@
           <a:p>
             <a:fld id="{CBC48EC7-AF6A-48D3-8284-14BACBEBDD84}" type="datetimeFigureOut">
               <a:rPr lang="en-US" smtClean="0"/>
-              <a:t>2/21/2023</a:t>
+              <a:t>4/1/2023</a:t>
             </a:fld>
             <a:endParaRPr lang="en-US" dirty="0"/>
           </a:p>
@@ -9438,7 +9462,7 @@
           <a:p>
             <a:fld id="{CBC48EC7-AF6A-48D3-8284-14BACBEBDD84}" type="datetimeFigureOut">
               <a:rPr lang="en-US" smtClean="0"/>
-              <a:t>2/21/2023</a:t>
+              <a:t>4/1/2023</a:t>
             </a:fld>
             <a:endParaRPr lang="en-US" dirty="0"/>
           </a:p>
@@ -9946,13 +9970,8 @@
           <a:p>
             <a:r>
               <a:rPr lang="en-IN" sz="4800" b="1" dirty="0"/>
-              <a:t>Unit-3 (</a:t>
-            </a:r>
-            <a:r>
-              <a:rPr lang="en-IN" sz="4800" b="1" dirty="0" smtClean="0"/>
-              <a:t>PEA-307)</a:t>
-            </a:r>
-            <a:endParaRPr lang="en-IN" sz="4800" b="1" dirty="0"/>
+              <a:t>Unit-3 (PEA-307)</a:t>
+            </a:r>
           </a:p>
           <a:p>
             <a:endParaRPr lang="en-IN" dirty="0"/>
